--- a/4.Model/DatabaseEssentials.pptx
+++ b/4.Model/DatabaseEssentials.pptx
@@ -26619,7 +26619,7 @@
                 <a:ea typeface="Roboto"/>
                 <a:sym typeface="Calibri"/>
               </a:rPr>
-              <a:t>  </a:t>
+              <a:t> </a:t>
             </a:r>
             <a:r>
               <a:rPr lang="ru-RU" sz="2000" b="1" dirty="0">
@@ -26654,7 +26654,7 @@
                 <a:cs typeface="Calibri"/>
                 <a:sym typeface="Calibri"/>
               </a:rPr>
-              <a:t>  </a:t>
+              <a:t> </a:t>
             </a:r>
             <a:r>
               <a:rPr lang="ru-RU" sz="2000" dirty="0">
@@ -26683,41 +26683,12 @@
               <a:buChar char="▪"/>
             </a:pPr>
             <a:r>
-              <a:rPr lang="en-US" sz="2000" dirty="0">
-                <a:latin typeface="Roboto"/>
-                <a:ea typeface="Roboto"/>
-                <a:sym typeface="Calibri"/>
-              </a:rPr>
-              <a:t> </a:t>
-            </a:r>
-            <a:r>
               <a:rPr lang="ru-RU" sz="2000" dirty="0">
                 <a:latin typeface="Roboto"/>
                 <a:ea typeface="Roboto"/>
                 <a:sym typeface="Calibri"/>
               </a:rPr>
-              <a:t> Число столбцов фиксировано, то есть, структура базы данных известна заранее, а вот число строк или рядов в реляционных базах данных ничем не ограничено.</a:t>
-            </a:r>
-          </a:p>
-          <a:p>
-            <a:pPr lvl="0" indent="-12700">
-              <a:spcBef>
-                <a:spcPts val="360"/>
-              </a:spcBef>
-              <a:spcAft>
-                <a:spcPts val="1200"/>
-              </a:spcAft>
-              <a:buSzPts val="2000"/>
-              <a:buFont typeface="Noto Sans Symbols"/>
-              <a:buChar char="▪"/>
-            </a:pPr>
-            <a:r>
-              <a:rPr lang="ru-RU" sz="2000" dirty="0">
-                <a:latin typeface="Roboto"/>
-                <a:ea typeface="Roboto"/>
-                <a:sym typeface="Calibri"/>
-              </a:rPr>
-              <a:t>  Столбцы в реляционной базе данных называються </a:t>
+              <a:t> Столбцы в реляционной базе данных называються </a:t>
             </a:r>
             <a:r>
               <a:rPr lang="ru-RU" sz="2000" b="1" dirty="0">
